--- a/Setup guide/Microfrontend.pptx
+++ b/Setup guide/Microfrontend.pptx
@@ -6819,12 +6819,16 @@
             <a:p>
               <a:pPr algn="ctr"/>
               <a:r>
-                <a:rPr lang="en-GB" sz="1100" dirty="0">
+                <a:rPr lang="en-GB" sz="1100">
                   <a:latin typeface="Segoe UI Semibold" panose="020B0702040204020203" pitchFamily="34" charset="0"/>
                   <a:cs typeface="Segoe UI Semibold" panose="020B0702040204020203" pitchFamily="34" charset="0"/>
                 </a:rPr>
-                <a:t>Shell app</a:t>
+                <a:t>Shell React app</a:t>
               </a:r>
+              <a:endParaRPr lang="en-GB" sz="1100" dirty="0">
+                <a:latin typeface="Segoe UI Semibold" panose="020B0702040204020203" pitchFamily="34" charset="0"/>
+                <a:cs typeface="Segoe UI Semibold" panose="020B0702040204020203" pitchFamily="34" charset="0"/>
+              </a:endParaRPr>
             </a:p>
           </p:txBody>
         </p:sp>
@@ -6935,7 +6939,7 @@
                   <a:latin typeface="Segoe UI Semibold" panose="020B0702040204020203" pitchFamily="34" charset="0"/>
                   <a:cs typeface="Segoe UI Semibold" panose="020B0702040204020203" pitchFamily="34" charset="0"/>
                 </a:rPr>
-                <a:t>Microfrontend App1</a:t>
+                <a:t>Microfrontend React App1</a:t>
               </a:r>
             </a:p>
           </p:txBody>
@@ -6991,7 +6995,7 @@
                   <a:latin typeface="Segoe UI Semibold" panose="020B0702040204020203" pitchFamily="34" charset="0"/>
                   <a:cs typeface="Segoe UI Semibold" panose="020B0702040204020203" pitchFamily="34" charset="0"/>
                 </a:rPr>
-                <a:t>Microfrontend App2</a:t>
+                <a:t>Microfrontend React App2</a:t>
               </a:r>
             </a:p>
           </p:txBody>
@@ -7047,7 +7051,7 @@
                   <a:latin typeface="Segoe UI Semibold" panose="020B0702040204020203" pitchFamily="34" charset="0"/>
                   <a:cs typeface="Segoe UI Semibold" panose="020B0702040204020203" pitchFamily="34" charset="0"/>
                 </a:rPr>
-                <a:t>Microfrontend App3</a:t>
+                <a:t>Microfrontend React App3</a:t>
               </a:r>
             </a:p>
           </p:txBody>
